--- a/Week-02/Demo.pptx
+++ b/Week-02/Demo.pptx
@@ -107,6 +107,11 @@
       </a:defRPr>
     </a:lvl9pPr>
   </p:defaultTextStyle>
+  <p:extLst>
+    <p:ext uri="{EFAFB233-063F-42B5-8137-9DF3F51BA10A}">
+      <p15:sldGuideLst xmlns:p15="http://schemas.microsoft.com/office/powerpoint/2012/main"/>
+    </p:ext>
+  </p:extLst>
 </p:presentation>
 </file>
 
@@ -327,7 +332,7 @@
           <a:p>
             <a:fld id="{5C668260-7523-45E2-AC4C-E5F271811912}" type="datetimeFigureOut">
               <a:rPr lang="hu-HU" smtClean="0"/>
-              <a:t>2019. 01. 24.</a:t>
+              <a:t>2019. 01. 25.</a:t>
             </a:fld>
             <a:endParaRPr lang="hu-HU"/>
           </a:p>
@@ -662,7 +667,7 @@
           <a:p>
             <a:fld id="{5C668260-7523-45E2-AC4C-E5F271811912}" type="datetimeFigureOut">
               <a:rPr lang="hu-HU" smtClean="0"/>
-              <a:t>2019. 01. 24.</a:t>
+              <a:t>2019. 01. 25.</a:t>
             </a:fld>
             <a:endParaRPr lang="hu-HU"/>
           </a:p>
@@ -965,7 +970,7 @@
           <a:p>
             <a:fld id="{5C668260-7523-45E2-AC4C-E5F271811912}" type="datetimeFigureOut">
               <a:rPr lang="hu-HU" smtClean="0"/>
-              <a:t>2019. 01. 24.</a:t>
+              <a:t>2019. 01. 25.</a:t>
             </a:fld>
             <a:endParaRPr lang="hu-HU"/>
           </a:p>
@@ -1213,7 +1218,7 @@
           <a:p>
             <a:fld id="{5C668260-7523-45E2-AC4C-E5F271811912}" type="datetimeFigureOut">
               <a:rPr lang="hu-HU" smtClean="0"/>
-              <a:t>2019. 01. 24.</a:t>
+              <a:t>2019. 01. 25.</a:t>
             </a:fld>
             <a:endParaRPr lang="hu-HU"/>
           </a:p>
@@ -1621,7 +1626,7 @@
           <a:p>
             <a:fld id="{5C668260-7523-45E2-AC4C-E5F271811912}" type="datetimeFigureOut">
               <a:rPr lang="hu-HU" smtClean="0"/>
-              <a:t>2019. 01. 24.</a:t>
+              <a:t>2019. 01. 25.</a:t>
             </a:fld>
             <a:endParaRPr lang="hu-HU"/>
           </a:p>
@@ -1936,7 +1941,7 @@
           <a:p>
             <a:fld id="{5C668260-7523-45E2-AC4C-E5F271811912}" type="datetimeFigureOut">
               <a:rPr lang="hu-HU" smtClean="0"/>
-              <a:t>2019. 01. 24.</a:t>
+              <a:t>2019. 01. 25.</a:t>
             </a:fld>
             <a:endParaRPr lang="hu-HU"/>
           </a:p>
@@ -2486,7 +2491,7 @@
           <a:p>
             <a:fld id="{5C668260-7523-45E2-AC4C-E5F271811912}" type="datetimeFigureOut">
               <a:rPr lang="hu-HU" smtClean="0"/>
-              <a:t>2019. 01. 24.</a:t>
+              <a:t>2019. 01. 25.</a:t>
             </a:fld>
             <a:endParaRPr lang="hu-HU"/>
           </a:p>
@@ -2687,7 +2692,7 @@
           <a:p>
             <a:fld id="{5C668260-7523-45E2-AC4C-E5F271811912}" type="datetimeFigureOut">
               <a:rPr lang="hu-HU" smtClean="0"/>
-              <a:t>2019. 01. 24.</a:t>
+              <a:t>2019. 01. 25.</a:t>
             </a:fld>
             <a:endParaRPr lang="hu-HU"/>
           </a:p>
@@ -2901,7 +2906,7 @@
           <a:p>
             <a:fld id="{5C668260-7523-45E2-AC4C-E5F271811912}" type="datetimeFigureOut">
               <a:rPr lang="hu-HU" smtClean="0"/>
-              <a:t>2019. 01. 24.</a:t>
+              <a:t>2019. 01. 25.</a:t>
             </a:fld>
             <a:endParaRPr lang="hu-HU"/>
           </a:p>
@@ -3271,7 +3276,7 @@
           <a:p>
             <a:fld id="{5C668260-7523-45E2-AC4C-E5F271811912}" type="datetimeFigureOut">
               <a:rPr lang="hu-HU" smtClean="0"/>
-              <a:t>2019. 01. 24.</a:t>
+              <a:t>2019. 01. 25.</a:t>
             </a:fld>
             <a:endParaRPr lang="hu-HU"/>
           </a:p>
@@ -3680,7 +3685,7 @@
           <a:p>
             <a:fld id="{5C668260-7523-45E2-AC4C-E5F271811912}" type="datetimeFigureOut">
               <a:rPr lang="hu-HU" smtClean="0"/>
-              <a:t>2019. 01. 24.</a:t>
+              <a:t>2019. 01. 25.</a:t>
             </a:fld>
             <a:endParaRPr lang="hu-HU"/>
           </a:p>
@@ -4019,7 +4024,7 @@
           <a:p>
             <a:fld id="{5C668260-7523-45E2-AC4C-E5F271811912}" type="datetimeFigureOut">
               <a:rPr lang="hu-HU" smtClean="0"/>
-              <a:t>2019. 01. 24.</a:t>
+              <a:t>2019. 01. 25.</a:t>
             </a:fld>
             <a:endParaRPr lang="hu-HU"/>
           </a:p>
@@ -4564,25 +4569,6 @@
           </a:p>
         </p:txBody>
       </p:sp>
-      <p:sp>
-        <p:nvSpPr>
-          <p:cNvPr id="3" name="Alcím 2"/>
-          <p:cNvSpPr>
-            <a:spLocks noGrp="1"/>
-          </p:cNvSpPr>
-          <p:nvPr>
-            <p:ph type="subTitle" idx="1"/>
-          </p:nvPr>
-        </p:nvSpPr>
-        <p:spPr/>
-        <p:txBody>
-          <a:bodyPr/>
-          <a:lstStyle/>
-          <a:p>
-            <a:endParaRPr lang="hu-HU" dirty="0"/>
-          </a:p>
-        </p:txBody>
-      </p:sp>
     </p:spTree>
     <p:extLst>
       <p:ext uri="{BB962C8B-B14F-4D97-AF65-F5344CB8AC3E}">
